--- a/크로노오디세이_전투기획자/사전과제/아이디어.pptx
+++ b/크로노오디세이_전투기획자/사전과제/아이디어.pptx
@@ -5,7 +5,7 @@
     <p:sldMasterId id="2147483648" r:id="rId1"/>
   </p:sldMasterIdLst>
   <p:notesMasterIdLst>
-    <p:notesMasterId r:id="rId7"/>
+    <p:notesMasterId r:id="rId8"/>
   </p:notesMasterIdLst>
   <p:sldIdLst>
     <p:sldId id="257" r:id="rId2"/>
@@ -13,6 +13,7 @@
     <p:sldId id="258" r:id="rId4"/>
     <p:sldId id="259" r:id="rId5"/>
     <p:sldId id="260" r:id="rId6"/>
+    <p:sldId id="261" r:id="rId7"/>
   </p:sldIdLst>
   <p:sldSz cx="12192000" cy="6858000"/>
   <p:notesSz cx="6858000" cy="9144000"/>
@@ -212,7 +213,7 @@
           <a:p>
             <a:fld id="{403A0891-1F8C-4DD4-A5BE-279C1C7E959D}" type="datetimeFigureOut">
               <a:rPr lang="ko-KR" altLang="en-US" smtClean="0"/>
-              <a:t>2025-10-31</a:t>
+              <a:t>2025-11-01</a:t>
             </a:fld>
             <a:endParaRPr lang="ko-KR" altLang="en-US"/>
           </a:p>
@@ -710,7 +711,7 @@
           <a:p>
             <a:fld id="{CD0BAA11-86DC-4820-AF8E-22E76A637174}" type="datetimeFigureOut">
               <a:rPr lang="ko-KR" altLang="en-US" smtClean="0"/>
-              <a:t>2025-10-31</a:t>
+              <a:t>2025-11-01</a:t>
             </a:fld>
             <a:endParaRPr lang="ko-KR" altLang="en-US"/>
           </a:p>
@@ -908,7 +909,7 @@
           <a:p>
             <a:fld id="{CD0BAA11-86DC-4820-AF8E-22E76A637174}" type="datetimeFigureOut">
               <a:rPr lang="ko-KR" altLang="en-US" smtClean="0"/>
-              <a:t>2025-10-31</a:t>
+              <a:t>2025-11-01</a:t>
             </a:fld>
             <a:endParaRPr lang="ko-KR" altLang="en-US"/>
           </a:p>
@@ -1116,7 +1117,7 @@
           <a:p>
             <a:fld id="{CD0BAA11-86DC-4820-AF8E-22E76A637174}" type="datetimeFigureOut">
               <a:rPr lang="ko-KR" altLang="en-US" smtClean="0"/>
-              <a:t>2025-10-31</a:t>
+              <a:t>2025-11-01</a:t>
             </a:fld>
             <a:endParaRPr lang="ko-KR" altLang="en-US"/>
           </a:p>
@@ -1314,7 +1315,7 @@
           <a:p>
             <a:fld id="{CD0BAA11-86DC-4820-AF8E-22E76A637174}" type="datetimeFigureOut">
               <a:rPr lang="ko-KR" altLang="en-US" smtClean="0"/>
-              <a:t>2025-10-31</a:t>
+              <a:t>2025-11-01</a:t>
             </a:fld>
             <a:endParaRPr lang="ko-KR" altLang="en-US"/>
           </a:p>
@@ -1589,7 +1590,7 @@
           <a:p>
             <a:fld id="{CD0BAA11-86DC-4820-AF8E-22E76A637174}" type="datetimeFigureOut">
               <a:rPr lang="ko-KR" altLang="en-US" smtClean="0"/>
-              <a:t>2025-10-31</a:t>
+              <a:t>2025-11-01</a:t>
             </a:fld>
             <a:endParaRPr lang="ko-KR" altLang="en-US"/>
           </a:p>
@@ -1854,7 +1855,7 @@
           <a:p>
             <a:fld id="{CD0BAA11-86DC-4820-AF8E-22E76A637174}" type="datetimeFigureOut">
               <a:rPr lang="ko-KR" altLang="en-US" smtClean="0"/>
-              <a:t>2025-10-31</a:t>
+              <a:t>2025-11-01</a:t>
             </a:fld>
             <a:endParaRPr lang="ko-KR" altLang="en-US"/>
           </a:p>
@@ -2266,7 +2267,7 @@
           <a:p>
             <a:fld id="{CD0BAA11-86DC-4820-AF8E-22E76A637174}" type="datetimeFigureOut">
               <a:rPr lang="ko-KR" altLang="en-US" smtClean="0"/>
-              <a:t>2025-10-31</a:t>
+              <a:t>2025-11-01</a:t>
             </a:fld>
             <a:endParaRPr lang="ko-KR" altLang="en-US"/>
           </a:p>
@@ -2407,7 +2408,7 @@
           <a:p>
             <a:fld id="{CD0BAA11-86DC-4820-AF8E-22E76A637174}" type="datetimeFigureOut">
               <a:rPr lang="ko-KR" altLang="en-US" smtClean="0"/>
-              <a:t>2025-10-31</a:t>
+              <a:t>2025-11-01</a:t>
             </a:fld>
             <a:endParaRPr lang="ko-KR" altLang="en-US"/>
           </a:p>
@@ -2520,7 +2521,7 @@
           <a:p>
             <a:fld id="{CD0BAA11-86DC-4820-AF8E-22E76A637174}" type="datetimeFigureOut">
               <a:rPr lang="ko-KR" altLang="en-US" smtClean="0"/>
-              <a:t>2025-10-31</a:t>
+              <a:t>2025-11-01</a:t>
             </a:fld>
             <a:endParaRPr lang="ko-KR" altLang="en-US"/>
           </a:p>
@@ -2831,7 +2832,7 @@
           <a:p>
             <a:fld id="{CD0BAA11-86DC-4820-AF8E-22E76A637174}" type="datetimeFigureOut">
               <a:rPr lang="ko-KR" altLang="en-US" smtClean="0"/>
-              <a:t>2025-10-31</a:t>
+              <a:t>2025-11-01</a:t>
             </a:fld>
             <a:endParaRPr lang="ko-KR" altLang="en-US"/>
           </a:p>
@@ -3119,7 +3120,7 @@
           <a:p>
             <a:fld id="{CD0BAA11-86DC-4820-AF8E-22E76A637174}" type="datetimeFigureOut">
               <a:rPr lang="ko-KR" altLang="en-US" smtClean="0"/>
-              <a:t>2025-10-31</a:t>
+              <a:t>2025-11-01</a:t>
             </a:fld>
             <a:endParaRPr lang="ko-KR" altLang="en-US"/>
           </a:p>
@@ -3360,7 +3361,7 @@
           <a:p>
             <a:fld id="{CD0BAA11-86DC-4820-AF8E-22E76A637174}" type="datetimeFigureOut">
               <a:rPr lang="ko-KR" altLang="en-US" smtClean="0"/>
-              <a:t>2025-10-31</a:t>
+              <a:t>2025-11-01</a:t>
             </a:fld>
             <a:endParaRPr lang="ko-KR" altLang="en-US"/>
           </a:p>
@@ -4433,7 +4434,7 @@
         </p:blipFill>
         <p:spPr>
           <a:xfrm>
-            <a:off x="8183337" y="3854870"/>
+            <a:off x="8235046" y="3854870"/>
             <a:ext cx="2411536" cy="3003130"/>
           </a:xfrm>
           <a:prstGeom prst="rect">
@@ -6137,6 +6138,361 @@
     <p:extLst>
       <p:ext uri="{BB962C8B-B14F-4D97-AF65-F5344CB8AC3E}">
         <p14:creationId xmlns:p14="http://schemas.microsoft.com/office/powerpoint/2010/main" val="100967816"/>
+      </p:ext>
+    </p:extLst>
+  </p:cSld>
+  <p:clrMapOvr>
+    <a:masterClrMapping/>
+  </p:clrMapOvr>
+</p:sld>
+</file>
+
+<file path=ppt/slides/slide6.xml><?xml version="1.0" encoding="utf-8"?>
+<p:sld xmlns:a="http://schemas.openxmlformats.org/drawingml/2006/main" xmlns:r="http://schemas.openxmlformats.org/officeDocument/2006/relationships" xmlns:p="http://schemas.openxmlformats.org/presentationml/2006/main">
+  <p:cSld>
+    <p:spTree>
+      <p:nvGrpSpPr>
+        <p:cNvPr id="1" name=""/>
+        <p:cNvGrpSpPr/>
+        <p:nvPr/>
+      </p:nvGrpSpPr>
+      <p:grpSpPr>
+        <a:xfrm>
+          <a:off x="0" y="0"/>
+          <a:ext cx="0" cy="0"/>
+          <a:chOff x="0" y="0"/>
+          <a:chExt cx="0" cy="0"/>
+        </a:xfrm>
+      </p:grpSpPr>
+      <p:sp>
+        <p:nvSpPr>
+          <p:cNvPr id="4" name="TextBox 3">
+            <a:extLst>
+              <a:ext uri="{FF2B5EF4-FFF2-40B4-BE49-F238E27FC236}">
+                <a16:creationId xmlns:a16="http://schemas.microsoft.com/office/drawing/2014/main" id="{584357B9-FEF4-47C6-2484-065BCC6BCBA8}"/>
+              </a:ext>
+            </a:extLst>
+          </p:cNvPr>
+          <p:cNvSpPr txBox="1"/>
+          <p:nvPr/>
+        </p:nvSpPr>
+        <p:spPr>
+          <a:xfrm>
+            <a:off x="279862" y="253444"/>
+            <a:ext cx="7414209" cy="2598788"/>
+          </a:xfrm>
+          <a:prstGeom prst="rect">
+            <a:avLst/>
+          </a:prstGeom>
+          <a:noFill/>
+        </p:spPr>
+        <p:txBody>
+          <a:bodyPr wrap="none" rtlCol="0">
+            <a:spAutoFit/>
+          </a:bodyPr>
+          <a:lstStyle/>
+          <a:p>
+            <a:pPr>
+              <a:lnSpc>
+                <a:spcPct val="150000"/>
+              </a:lnSpc>
+            </a:pPr>
+            <a:r>
+              <a:rPr lang="ko-KR" altLang="en-US" sz="1100" dirty="0"/>
+              <a:t>현자</a:t>
+            </a:r>
+            <a:endParaRPr lang="en-US" altLang="ko-KR" sz="1100" dirty="0"/>
+          </a:p>
+          <a:p>
+            <a:pPr>
+              <a:lnSpc>
+                <a:spcPct val="150000"/>
+              </a:lnSpc>
+            </a:pPr>
+            <a:r>
+              <a:rPr lang="ko-KR" altLang="en-US" sz="1100" dirty="0"/>
+              <a:t>무기 </a:t>
+            </a:r>
+            <a:r>
+              <a:rPr lang="en-US" altLang="ko-KR" sz="1100" dirty="0"/>
+              <a:t>1 : </a:t>
+            </a:r>
+            <a:r>
+              <a:rPr lang="ko-KR" altLang="en-US" sz="1100" dirty="0" err="1"/>
+              <a:t>성반</a:t>
+            </a:r>
+            <a:r>
+              <a:rPr lang="ko-KR" altLang="en-US" sz="1100" dirty="0"/>
+              <a:t> </a:t>
+            </a:r>
+            <a:r>
+              <a:rPr lang="en-US" altLang="ko-KR" sz="1100" dirty="0"/>
+              <a:t>(Astrolabe) - </a:t>
+            </a:r>
+            <a:r>
+              <a:rPr lang="ko-KR" altLang="en-US" sz="1100" dirty="0"/>
+              <a:t>점성술사 컨셉</a:t>
+            </a:r>
+            <a:endParaRPr lang="en-US" altLang="ko-KR" sz="1100" dirty="0"/>
+          </a:p>
+          <a:p>
+            <a:pPr>
+              <a:lnSpc>
+                <a:spcPct val="150000"/>
+              </a:lnSpc>
+            </a:pPr>
+            <a:r>
+              <a:rPr lang="ko-KR" altLang="en-US" sz="1100" dirty="0"/>
+              <a:t>무기 </a:t>
+            </a:r>
+            <a:r>
+              <a:rPr lang="en-US" altLang="ko-KR" sz="1100" dirty="0"/>
+              <a:t>2 : </a:t>
+            </a:r>
+          </a:p>
+          <a:p>
+            <a:pPr>
+              <a:lnSpc>
+                <a:spcPct val="150000"/>
+              </a:lnSpc>
+            </a:pPr>
+            <a:r>
+              <a:rPr lang="ko-KR" altLang="en-US" sz="1100" dirty="0"/>
+              <a:t>무기 </a:t>
+            </a:r>
+            <a:r>
+              <a:rPr lang="en-US" altLang="ko-KR" sz="1100" dirty="0"/>
+              <a:t>3 : </a:t>
+            </a:r>
+          </a:p>
+          <a:p>
+            <a:pPr>
+              <a:lnSpc>
+                <a:spcPct val="150000"/>
+              </a:lnSpc>
+            </a:pPr>
+            <a:endParaRPr lang="en-US" altLang="ko-KR" sz="1100" dirty="0"/>
+          </a:p>
+          <a:p>
+            <a:pPr>
+              <a:lnSpc>
+                <a:spcPct val="150000"/>
+              </a:lnSpc>
+            </a:pPr>
+            <a:endParaRPr lang="en-US" altLang="ko-KR" sz="1100" dirty="0"/>
+          </a:p>
+          <a:p>
+            <a:pPr>
+              <a:lnSpc>
+                <a:spcPct val="150000"/>
+              </a:lnSpc>
+            </a:pPr>
+            <a:r>
+              <a:rPr lang="ko-KR" altLang="en-US" sz="1100" dirty="0"/>
+              <a:t>현자는 원리와 법칙을 파악하여</a:t>
+            </a:r>
+            <a:r>
+              <a:rPr lang="en-US" altLang="ko-KR" sz="1100" dirty="0"/>
+              <a:t> </a:t>
+            </a:r>
+            <a:r>
+              <a:rPr lang="ko-KR" altLang="en-US" sz="1100" dirty="0"/>
+              <a:t>최소한의 움직임으로 최대의 결과를 만들어 내는 효율을 추구합니다</a:t>
+            </a:r>
+            <a:r>
+              <a:rPr lang="en-US" altLang="ko-KR" sz="1100" dirty="0"/>
+              <a:t>.</a:t>
+            </a:r>
+          </a:p>
+          <a:p>
+            <a:pPr>
+              <a:lnSpc>
+                <a:spcPct val="150000"/>
+              </a:lnSpc>
+            </a:pPr>
+            <a:r>
+              <a:rPr lang="ko-KR" altLang="en-US" sz="1100" dirty="0"/>
+              <a:t>이 험난한 과정을 흔들림 없이 해낸 이들은 전장의 위기를 극복하는 지침이 됩니다</a:t>
+            </a:r>
+            <a:r>
+              <a:rPr lang="en-US" altLang="ko-KR" sz="1100" dirty="0"/>
+              <a:t>.</a:t>
+            </a:r>
+          </a:p>
+          <a:p>
+            <a:pPr>
+              <a:lnSpc>
+                <a:spcPct val="150000"/>
+              </a:lnSpc>
+            </a:pPr>
+            <a:endParaRPr lang="en-US" altLang="ko-KR" sz="1100" dirty="0"/>
+          </a:p>
+          <a:p>
+            <a:pPr>
+              <a:lnSpc>
+                <a:spcPct val="150000"/>
+              </a:lnSpc>
+            </a:pPr>
+            <a:r>
+              <a:rPr lang="ko-KR" altLang="en-US" sz="1100" dirty="0"/>
+              <a:t>그들의 모든 기술은 인과에서 비롯되며 전장에서의 행위에 따라 쌓이는 인과는 행동을 멈추면 빠르게 소멸됩니다</a:t>
+            </a:r>
+            <a:r>
+              <a:rPr lang="en-US" altLang="ko-KR" sz="1100" dirty="0"/>
+              <a:t>.</a:t>
+            </a:r>
+          </a:p>
+        </p:txBody>
+      </p:sp>
+      <p:sp>
+        <p:nvSpPr>
+          <p:cNvPr id="5" name="TextBox 4">
+            <a:extLst>
+              <a:ext uri="{FF2B5EF4-FFF2-40B4-BE49-F238E27FC236}">
+                <a16:creationId xmlns:a16="http://schemas.microsoft.com/office/drawing/2014/main" id="{4F64DBC1-137F-420C-922E-A11F4D933719}"/>
+              </a:ext>
+            </a:extLst>
+          </p:cNvPr>
+          <p:cNvSpPr txBox="1"/>
+          <p:nvPr/>
+        </p:nvSpPr>
+        <p:spPr>
+          <a:xfrm>
+            <a:off x="7694071" y="456314"/>
+            <a:ext cx="3212739" cy="567463"/>
+          </a:xfrm>
+          <a:prstGeom prst="rect">
+            <a:avLst/>
+          </a:prstGeom>
+          <a:noFill/>
+        </p:spPr>
+        <p:txBody>
+          <a:bodyPr wrap="none" rtlCol="0">
+            <a:spAutoFit/>
+          </a:bodyPr>
+          <a:lstStyle/>
+          <a:p>
+            <a:pPr>
+              <a:lnSpc>
+                <a:spcPct val="150000"/>
+              </a:lnSpc>
+            </a:pPr>
+            <a:r>
+              <a:rPr lang="ko-KR" altLang="en-US" sz="1100" dirty="0"/>
+              <a:t>스킬 </a:t>
+            </a:r>
+            <a:r>
+              <a:rPr lang="en-US" altLang="ko-KR" sz="1100" dirty="0"/>
+              <a:t>8</a:t>
+            </a:r>
+            <a:r>
+              <a:rPr lang="ko-KR" altLang="en-US" sz="1100" dirty="0"/>
+              <a:t>개 컨셉</a:t>
+            </a:r>
+            <a:endParaRPr lang="en-US" altLang="ko-KR" sz="1100" dirty="0"/>
+          </a:p>
+          <a:p>
+            <a:pPr>
+              <a:lnSpc>
+                <a:spcPct val="150000"/>
+              </a:lnSpc>
+            </a:pPr>
+            <a:r>
+              <a:rPr lang="en-US" altLang="ko-KR" sz="1100" dirty="0"/>
+              <a:t>- </a:t>
+            </a:r>
+            <a:r>
+              <a:rPr lang="ko-KR" altLang="en-US" sz="1100" dirty="0"/>
+              <a:t>태양계 총 </a:t>
+            </a:r>
+            <a:r>
+              <a:rPr lang="en-US" altLang="ko-KR" sz="1100" dirty="0"/>
+              <a:t>8</a:t>
+            </a:r>
+            <a:r>
+              <a:rPr lang="ko-KR" altLang="en-US" sz="1100" dirty="0"/>
+              <a:t>개 천체 </a:t>
+            </a:r>
+            <a:r>
+              <a:rPr lang="en-US" altLang="ko-KR" sz="1100" dirty="0"/>
+              <a:t>(</a:t>
+            </a:r>
+            <a:r>
+              <a:rPr lang="ko-KR" altLang="en-US" sz="1100" dirty="0"/>
+              <a:t>수</a:t>
+            </a:r>
+            <a:r>
+              <a:rPr lang="en-US" altLang="ko-KR" sz="1100" dirty="0"/>
+              <a:t>/</a:t>
+            </a:r>
+            <a:r>
+              <a:rPr lang="ko-KR" altLang="en-US" sz="1100" dirty="0"/>
+              <a:t>금</a:t>
+            </a:r>
+            <a:r>
+              <a:rPr lang="en-US" altLang="ko-KR" sz="1100" dirty="0"/>
+              <a:t>/</a:t>
+            </a:r>
+            <a:r>
+              <a:rPr lang="ko-KR" altLang="en-US" sz="1100" dirty="0"/>
+              <a:t>지</a:t>
+            </a:r>
+            <a:r>
+              <a:rPr lang="en-US" altLang="ko-KR" sz="1100" dirty="0"/>
+              <a:t>/</a:t>
+            </a:r>
+            <a:r>
+              <a:rPr lang="ko-KR" altLang="en-US" sz="1100" dirty="0"/>
+              <a:t>화</a:t>
+            </a:r>
+            <a:r>
+              <a:rPr lang="en-US" altLang="ko-KR" sz="1100" dirty="0"/>
+              <a:t>/</a:t>
+            </a:r>
+            <a:r>
+              <a:rPr lang="ko-KR" altLang="en-US" sz="1100" dirty="0"/>
+              <a:t>목</a:t>
+            </a:r>
+            <a:r>
+              <a:rPr lang="en-US" altLang="ko-KR" sz="1100" dirty="0"/>
+              <a:t>/</a:t>
+            </a:r>
+            <a:r>
+              <a:rPr lang="ko-KR" altLang="en-US" sz="1100" dirty="0"/>
+              <a:t>토</a:t>
+            </a:r>
+            <a:r>
+              <a:rPr lang="en-US" altLang="ko-KR" sz="1100" dirty="0"/>
+              <a:t>/</a:t>
+            </a:r>
+            <a:r>
+              <a:rPr lang="ko-KR" altLang="en-US" sz="1100" dirty="0"/>
+              <a:t>천</a:t>
+            </a:r>
+            <a:r>
+              <a:rPr lang="en-US" altLang="ko-KR" sz="1100" dirty="0"/>
+              <a:t>/</a:t>
+            </a:r>
+            <a:r>
+              <a:rPr lang="ko-KR" altLang="en-US" sz="1100" dirty="0"/>
+              <a:t>해</a:t>
+            </a:r>
+            <a:r>
+              <a:rPr lang="en-US" altLang="ko-KR" sz="1100" dirty="0"/>
+              <a:t>)</a:t>
+            </a:r>
+            <a:r>
+              <a:rPr lang="ko-KR" altLang="en-US" sz="1100" dirty="0"/>
+              <a:t> </a:t>
+            </a:r>
+            <a:endParaRPr lang="en-US" altLang="ko-KR" sz="1100" dirty="0"/>
+          </a:p>
+        </p:txBody>
+      </p:sp>
+    </p:spTree>
+    <p:extLst>
+      <p:ext uri="{BB962C8B-B14F-4D97-AF65-F5344CB8AC3E}">
+        <p14:creationId xmlns:p14="http://schemas.microsoft.com/office/powerpoint/2010/main" val="737695249"/>
       </p:ext>
     </p:extLst>
   </p:cSld>

--- a/크로노오디세이_전투기획자/사전과제/아이디어.pptx
+++ b/크로노오디세이_전투기획자/사전과제/아이디어.pptx
@@ -213,7 +213,7 @@
           <a:p>
             <a:fld id="{403A0891-1F8C-4DD4-A5BE-279C1C7E959D}" type="datetimeFigureOut">
               <a:rPr lang="ko-KR" altLang="en-US" smtClean="0"/>
-              <a:t>2025-11-01</a:t>
+              <a:t>2025-11-03</a:t>
             </a:fld>
             <a:endParaRPr lang="ko-KR" altLang="en-US"/>
           </a:p>
@@ -711,7 +711,7 @@
           <a:p>
             <a:fld id="{CD0BAA11-86DC-4820-AF8E-22E76A637174}" type="datetimeFigureOut">
               <a:rPr lang="ko-KR" altLang="en-US" smtClean="0"/>
-              <a:t>2025-11-01</a:t>
+              <a:t>2025-11-03</a:t>
             </a:fld>
             <a:endParaRPr lang="ko-KR" altLang="en-US"/>
           </a:p>
@@ -909,7 +909,7 @@
           <a:p>
             <a:fld id="{CD0BAA11-86DC-4820-AF8E-22E76A637174}" type="datetimeFigureOut">
               <a:rPr lang="ko-KR" altLang="en-US" smtClean="0"/>
-              <a:t>2025-11-01</a:t>
+              <a:t>2025-11-03</a:t>
             </a:fld>
             <a:endParaRPr lang="ko-KR" altLang="en-US"/>
           </a:p>
@@ -1117,7 +1117,7 @@
           <a:p>
             <a:fld id="{CD0BAA11-86DC-4820-AF8E-22E76A637174}" type="datetimeFigureOut">
               <a:rPr lang="ko-KR" altLang="en-US" smtClean="0"/>
-              <a:t>2025-11-01</a:t>
+              <a:t>2025-11-03</a:t>
             </a:fld>
             <a:endParaRPr lang="ko-KR" altLang="en-US"/>
           </a:p>
@@ -1315,7 +1315,7 @@
           <a:p>
             <a:fld id="{CD0BAA11-86DC-4820-AF8E-22E76A637174}" type="datetimeFigureOut">
               <a:rPr lang="ko-KR" altLang="en-US" smtClean="0"/>
-              <a:t>2025-11-01</a:t>
+              <a:t>2025-11-03</a:t>
             </a:fld>
             <a:endParaRPr lang="ko-KR" altLang="en-US"/>
           </a:p>
@@ -1590,7 +1590,7 @@
           <a:p>
             <a:fld id="{CD0BAA11-86DC-4820-AF8E-22E76A637174}" type="datetimeFigureOut">
               <a:rPr lang="ko-KR" altLang="en-US" smtClean="0"/>
-              <a:t>2025-11-01</a:t>
+              <a:t>2025-11-03</a:t>
             </a:fld>
             <a:endParaRPr lang="ko-KR" altLang="en-US"/>
           </a:p>
@@ -1855,7 +1855,7 @@
           <a:p>
             <a:fld id="{CD0BAA11-86DC-4820-AF8E-22E76A637174}" type="datetimeFigureOut">
               <a:rPr lang="ko-KR" altLang="en-US" smtClean="0"/>
-              <a:t>2025-11-01</a:t>
+              <a:t>2025-11-03</a:t>
             </a:fld>
             <a:endParaRPr lang="ko-KR" altLang="en-US"/>
           </a:p>
@@ -2267,7 +2267,7 @@
           <a:p>
             <a:fld id="{CD0BAA11-86DC-4820-AF8E-22E76A637174}" type="datetimeFigureOut">
               <a:rPr lang="ko-KR" altLang="en-US" smtClean="0"/>
-              <a:t>2025-11-01</a:t>
+              <a:t>2025-11-03</a:t>
             </a:fld>
             <a:endParaRPr lang="ko-KR" altLang="en-US"/>
           </a:p>
@@ -2408,7 +2408,7 @@
           <a:p>
             <a:fld id="{CD0BAA11-86DC-4820-AF8E-22E76A637174}" type="datetimeFigureOut">
               <a:rPr lang="ko-KR" altLang="en-US" smtClean="0"/>
-              <a:t>2025-11-01</a:t>
+              <a:t>2025-11-03</a:t>
             </a:fld>
             <a:endParaRPr lang="ko-KR" altLang="en-US"/>
           </a:p>
@@ -2521,7 +2521,7 @@
           <a:p>
             <a:fld id="{CD0BAA11-86DC-4820-AF8E-22E76A637174}" type="datetimeFigureOut">
               <a:rPr lang="ko-KR" altLang="en-US" smtClean="0"/>
-              <a:t>2025-11-01</a:t>
+              <a:t>2025-11-03</a:t>
             </a:fld>
             <a:endParaRPr lang="ko-KR" altLang="en-US"/>
           </a:p>
@@ -2832,7 +2832,7 @@
           <a:p>
             <a:fld id="{CD0BAA11-86DC-4820-AF8E-22E76A637174}" type="datetimeFigureOut">
               <a:rPr lang="ko-KR" altLang="en-US" smtClean="0"/>
-              <a:t>2025-11-01</a:t>
+              <a:t>2025-11-03</a:t>
             </a:fld>
             <a:endParaRPr lang="ko-KR" altLang="en-US"/>
           </a:p>
@@ -3120,7 +3120,7 @@
           <a:p>
             <a:fld id="{CD0BAA11-86DC-4820-AF8E-22E76A637174}" type="datetimeFigureOut">
               <a:rPr lang="ko-KR" altLang="en-US" smtClean="0"/>
-              <a:t>2025-11-01</a:t>
+              <a:t>2025-11-03</a:t>
             </a:fld>
             <a:endParaRPr lang="ko-KR" altLang="en-US"/>
           </a:p>
@@ -3361,7 +3361,7 @@
           <a:p>
             <a:fld id="{CD0BAA11-86DC-4820-AF8E-22E76A637174}" type="datetimeFigureOut">
               <a:rPr lang="ko-KR" altLang="en-US" smtClean="0"/>
-              <a:t>2025-11-01</a:t>
+              <a:t>2025-11-03</a:t>
             </a:fld>
             <a:endParaRPr lang="ko-KR" altLang="en-US"/>
           </a:p>
@@ -4442,6 +4442,152 @@
           </a:prstGeom>
         </p:spPr>
       </p:pic>
+      <p:sp>
+        <p:nvSpPr>
+          <p:cNvPr id="2" name="TextBox 1">
+            <a:extLst>
+              <a:ext uri="{FF2B5EF4-FFF2-40B4-BE49-F238E27FC236}">
+                <a16:creationId xmlns:a16="http://schemas.microsoft.com/office/drawing/2014/main" id="{FB225B53-15AF-A128-A76C-13654AF30559}"/>
+              </a:ext>
+            </a:extLst>
+          </p:cNvPr>
+          <p:cNvSpPr txBox="1"/>
+          <p:nvPr/>
+        </p:nvSpPr>
+        <p:spPr>
+          <a:xfrm>
+            <a:off x="9440814" y="4456812"/>
+            <a:ext cx="2494594" cy="1615827"/>
+          </a:xfrm>
+          <a:prstGeom prst="rect">
+            <a:avLst/>
+          </a:prstGeom>
+          <a:noFill/>
+        </p:spPr>
+        <p:txBody>
+          <a:bodyPr wrap="none" rtlCol="0">
+            <a:spAutoFit/>
+          </a:bodyPr>
+          <a:lstStyle/>
+          <a:p>
+            <a:r>
+              <a:rPr lang="ko-KR" altLang="en-US" sz="900" dirty="0" err="1"/>
+              <a:t>소드맨</a:t>
+            </a:r>
+            <a:r>
+              <a:rPr lang="ko-KR" altLang="en-US" sz="900" dirty="0"/>
+              <a:t> 스탯 </a:t>
+            </a:r>
+            <a:r>
+              <a:rPr lang="en-US" altLang="ko-KR" sz="900" dirty="0"/>
+              <a:t>(CBT </a:t>
+            </a:r>
+            <a:r>
+              <a:rPr lang="ko-KR" altLang="en-US" sz="900" dirty="0"/>
+              <a:t>기준</a:t>
+            </a:r>
+            <a:r>
+              <a:rPr lang="en-US" altLang="ko-KR" sz="900" dirty="0"/>
+              <a:t>)</a:t>
+            </a:r>
+          </a:p>
+          <a:p>
+            <a:r>
+              <a:rPr lang="en-US" altLang="ko-KR" sz="900" dirty="0"/>
+              <a:t>[1</a:t>
+            </a:r>
+            <a:r>
+              <a:rPr lang="ko-KR" altLang="en-US" sz="900" dirty="0"/>
+              <a:t>레벨</a:t>
+            </a:r>
+            <a:r>
+              <a:rPr lang="en-US" altLang="ko-KR" sz="900" dirty="0"/>
+              <a:t>] - </a:t>
+            </a:r>
+            <a:r>
+              <a:rPr lang="ko-KR" altLang="en-US" sz="900" dirty="0"/>
+              <a:t>장비 끼고 있어서 제대로 파악 불가</a:t>
+            </a:r>
+            <a:endParaRPr lang="en-US" altLang="ko-KR" sz="900" dirty="0"/>
+          </a:p>
+          <a:p>
+            <a:r>
+              <a:rPr lang="ko-KR" altLang="en-US" sz="900" dirty="0"/>
+              <a:t>힘 </a:t>
+            </a:r>
+            <a:r>
+              <a:rPr lang="en-US" altLang="ko-KR" sz="900" dirty="0"/>
+              <a:t>: 6</a:t>
+            </a:r>
+          </a:p>
+          <a:p>
+            <a:r>
+              <a:rPr lang="ko-KR" altLang="en-US" sz="900" dirty="0"/>
+              <a:t>민첩 </a:t>
+            </a:r>
+            <a:r>
+              <a:rPr lang="en-US" altLang="ko-KR" sz="900" dirty="0"/>
+              <a:t>: 2</a:t>
+            </a:r>
+          </a:p>
+          <a:p>
+            <a:r>
+              <a:rPr lang="ko-KR" altLang="en-US" sz="900" dirty="0"/>
+              <a:t>지능 </a:t>
+            </a:r>
+            <a:r>
+              <a:rPr lang="en-US" altLang="ko-KR" sz="900" dirty="0"/>
+              <a:t>: 2</a:t>
+            </a:r>
+          </a:p>
+          <a:p>
+            <a:r>
+              <a:rPr lang="ko-KR" altLang="en-US" sz="900" dirty="0"/>
+              <a:t>지혜 </a:t>
+            </a:r>
+            <a:r>
+              <a:rPr lang="en-US" altLang="ko-KR" sz="900" dirty="0"/>
+              <a:t>: 1</a:t>
+            </a:r>
+          </a:p>
+          <a:p>
+            <a:r>
+              <a:rPr lang="ko-KR" altLang="en-US" sz="900" dirty="0"/>
+              <a:t>체력 </a:t>
+            </a:r>
+            <a:r>
+              <a:rPr lang="en-US" altLang="ko-KR" sz="900" dirty="0"/>
+              <a:t>: 2</a:t>
+            </a:r>
+          </a:p>
+          <a:p>
+            <a:r>
+              <a:rPr lang="ko-KR" altLang="en-US" sz="900" dirty="0"/>
+              <a:t>공격력 </a:t>
+            </a:r>
+            <a:r>
+              <a:rPr lang="en-US" altLang="ko-KR" sz="900" dirty="0"/>
+              <a:t>: 78</a:t>
+            </a:r>
+          </a:p>
+          <a:p>
+            <a:r>
+              <a:rPr lang="ko-KR" altLang="en-US" sz="900" dirty="0"/>
+              <a:t>방어력 </a:t>
+            </a:r>
+            <a:r>
+              <a:rPr lang="en-US" altLang="ko-KR" sz="900" dirty="0"/>
+              <a:t>: 80</a:t>
+            </a:r>
+          </a:p>
+          <a:p>
+            <a:endParaRPr lang="en-US" altLang="ko-KR" sz="900" dirty="0"/>
+          </a:p>
+          <a:p>
+            <a:endParaRPr lang="ko-KR" altLang="en-US" sz="900" dirty="0"/>
+          </a:p>
+        </p:txBody>
+      </p:sp>
     </p:spTree>
     <p:extLst>
       <p:ext uri="{BB962C8B-B14F-4D97-AF65-F5344CB8AC3E}">

--- a/크로노오디세이_전투기획자/사전과제/아이디어.pptx
+++ b/크로노오디세이_전투기획자/사전과제/아이디어.pptx
@@ -213,7 +213,7 @@
           <a:p>
             <a:fld id="{403A0891-1F8C-4DD4-A5BE-279C1C7E959D}" type="datetimeFigureOut">
               <a:rPr lang="ko-KR" altLang="en-US" smtClean="0"/>
-              <a:t>2025-11-03</a:t>
+              <a:t>2025-11-04</a:t>
             </a:fld>
             <a:endParaRPr lang="ko-KR" altLang="en-US"/>
           </a:p>
@@ -711,7 +711,7 @@
           <a:p>
             <a:fld id="{CD0BAA11-86DC-4820-AF8E-22E76A637174}" type="datetimeFigureOut">
               <a:rPr lang="ko-KR" altLang="en-US" smtClean="0"/>
-              <a:t>2025-11-03</a:t>
+              <a:t>2025-11-04</a:t>
             </a:fld>
             <a:endParaRPr lang="ko-KR" altLang="en-US"/>
           </a:p>
@@ -909,7 +909,7 @@
           <a:p>
             <a:fld id="{CD0BAA11-86DC-4820-AF8E-22E76A637174}" type="datetimeFigureOut">
               <a:rPr lang="ko-KR" altLang="en-US" smtClean="0"/>
-              <a:t>2025-11-03</a:t>
+              <a:t>2025-11-04</a:t>
             </a:fld>
             <a:endParaRPr lang="ko-KR" altLang="en-US"/>
           </a:p>
@@ -1117,7 +1117,7 @@
           <a:p>
             <a:fld id="{CD0BAA11-86DC-4820-AF8E-22E76A637174}" type="datetimeFigureOut">
               <a:rPr lang="ko-KR" altLang="en-US" smtClean="0"/>
-              <a:t>2025-11-03</a:t>
+              <a:t>2025-11-04</a:t>
             </a:fld>
             <a:endParaRPr lang="ko-KR" altLang="en-US"/>
           </a:p>
@@ -1315,7 +1315,7 @@
           <a:p>
             <a:fld id="{CD0BAA11-86DC-4820-AF8E-22E76A637174}" type="datetimeFigureOut">
               <a:rPr lang="ko-KR" altLang="en-US" smtClean="0"/>
-              <a:t>2025-11-03</a:t>
+              <a:t>2025-11-04</a:t>
             </a:fld>
             <a:endParaRPr lang="ko-KR" altLang="en-US"/>
           </a:p>
@@ -1590,7 +1590,7 @@
           <a:p>
             <a:fld id="{CD0BAA11-86DC-4820-AF8E-22E76A637174}" type="datetimeFigureOut">
               <a:rPr lang="ko-KR" altLang="en-US" smtClean="0"/>
-              <a:t>2025-11-03</a:t>
+              <a:t>2025-11-04</a:t>
             </a:fld>
             <a:endParaRPr lang="ko-KR" altLang="en-US"/>
           </a:p>
@@ -1855,7 +1855,7 @@
           <a:p>
             <a:fld id="{CD0BAA11-86DC-4820-AF8E-22E76A637174}" type="datetimeFigureOut">
               <a:rPr lang="ko-KR" altLang="en-US" smtClean="0"/>
-              <a:t>2025-11-03</a:t>
+              <a:t>2025-11-04</a:t>
             </a:fld>
             <a:endParaRPr lang="ko-KR" altLang="en-US"/>
           </a:p>
@@ -2267,7 +2267,7 @@
           <a:p>
             <a:fld id="{CD0BAA11-86DC-4820-AF8E-22E76A637174}" type="datetimeFigureOut">
               <a:rPr lang="ko-KR" altLang="en-US" smtClean="0"/>
-              <a:t>2025-11-03</a:t>
+              <a:t>2025-11-04</a:t>
             </a:fld>
             <a:endParaRPr lang="ko-KR" altLang="en-US"/>
           </a:p>
@@ -2408,7 +2408,7 @@
           <a:p>
             <a:fld id="{CD0BAA11-86DC-4820-AF8E-22E76A637174}" type="datetimeFigureOut">
               <a:rPr lang="ko-KR" altLang="en-US" smtClean="0"/>
-              <a:t>2025-11-03</a:t>
+              <a:t>2025-11-04</a:t>
             </a:fld>
             <a:endParaRPr lang="ko-KR" altLang="en-US"/>
           </a:p>
@@ -2521,7 +2521,7 @@
           <a:p>
             <a:fld id="{CD0BAA11-86DC-4820-AF8E-22E76A637174}" type="datetimeFigureOut">
               <a:rPr lang="ko-KR" altLang="en-US" smtClean="0"/>
-              <a:t>2025-11-03</a:t>
+              <a:t>2025-11-04</a:t>
             </a:fld>
             <a:endParaRPr lang="ko-KR" altLang="en-US"/>
           </a:p>
@@ -2832,7 +2832,7 @@
           <a:p>
             <a:fld id="{CD0BAA11-86DC-4820-AF8E-22E76A637174}" type="datetimeFigureOut">
               <a:rPr lang="ko-KR" altLang="en-US" smtClean="0"/>
-              <a:t>2025-11-03</a:t>
+              <a:t>2025-11-04</a:t>
             </a:fld>
             <a:endParaRPr lang="ko-KR" altLang="en-US"/>
           </a:p>
@@ -3120,7 +3120,7 @@
           <a:p>
             <a:fld id="{CD0BAA11-86DC-4820-AF8E-22E76A637174}" type="datetimeFigureOut">
               <a:rPr lang="ko-KR" altLang="en-US" smtClean="0"/>
-              <a:t>2025-11-03</a:t>
+              <a:t>2025-11-04</a:t>
             </a:fld>
             <a:endParaRPr lang="ko-KR" altLang="en-US"/>
           </a:p>
@@ -3361,7 +3361,7 @@
           <a:p>
             <a:fld id="{CD0BAA11-86DC-4820-AF8E-22E76A637174}" type="datetimeFigureOut">
               <a:rPr lang="ko-KR" altLang="en-US" smtClean="0"/>
-              <a:t>2025-11-03</a:t>
+              <a:t>2025-11-04</a:t>
             </a:fld>
             <a:endParaRPr lang="ko-KR" altLang="en-US"/>
           </a:p>
@@ -4284,7 +4284,7 @@
         </p:blipFill>
         <p:spPr>
           <a:xfrm>
-            <a:off x="0" y="485079"/>
+            <a:off x="77798" y="485079"/>
             <a:ext cx="2353805" cy="3003131"/>
           </a:xfrm>
           <a:prstGeom prst="rect">
@@ -4456,7 +4456,7 @@
         </p:nvSpPr>
         <p:spPr>
           <a:xfrm>
-            <a:off x="9440814" y="4456812"/>
+            <a:off x="10990214" y="4456812"/>
             <a:ext cx="2494594" cy="1615827"/>
           </a:xfrm>
           <a:prstGeom prst="rect">
